--- a/11_Machine_Learning_Introduction.pptx
+++ b/11_Machine_Learning_Introduction.pptx
@@ -13,6 +13,12 @@
     <p:sldId id="261" r:id="rId7"/>
     <p:sldId id="263" r:id="rId8"/>
     <p:sldId id="264" r:id="rId9"/>
+    <p:sldId id="265" r:id="rId10"/>
+    <p:sldId id="266" r:id="rId11"/>
+    <p:sldId id="267" r:id="rId12"/>
+    <p:sldId id="268" r:id="rId13"/>
+    <p:sldId id="270" r:id="rId14"/>
+    <p:sldId id="269" r:id="rId15"/>
   </p:sldIdLst>
   <p:sldSz cx="12192000" cy="6858000"/>
   <p:notesSz cx="6858000" cy="9144000"/>
@@ -111,13 +117,30 @@
       </a:defRPr>
     </a:lvl9pPr>
   </p:defaultTextStyle>
+  <p:extLst>
+    <p:ext uri="{EFAFB233-063F-42B5-8137-9DF3F51BA10A}">
+      <p15:sldGuideLst xmlns:p15="http://schemas.microsoft.com/office/powerpoint/2012/main"/>
+    </p:ext>
+  </p:extLst>
 </p:presentation>
+</file>
+
+<file path=ppt/commentAuthors.xml><?xml version="1.0" encoding="utf-8"?>
+<p:cmAuthorLst xmlns:a="http://schemas.openxmlformats.org/drawingml/2006/main" xmlns:r="http://schemas.openxmlformats.org/officeDocument/2006/relationships" xmlns:p="http://schemas.openxmlformats.org/presentationml/2006/main">
+  <p:cmAuthor id="1" name="Ge Jin" initials="GJ" lastIdx="1" clrIdx="0">
+    <p:extLst>
+      <p:ext uri="{19B8F6BF-5375-455C-9EA6-DF929625EA0E}">
+        <p15:presenceInfo xmlns:p15="http://schemas.microsoft.com/office/powerpoint/2012/main" userId="Ge Jin" providerId="None"/>
+      </p:ext>
+    </p:extLst>
+  </p:cmAuthor>
+</p:cmAuthorLst>
 </file>
 
 <file path=ppt/revisionInfo.xml><?xml version="1.0" encoding="utf-8"?>
 <p1510:revInfo xmlns:a="http://schemas.openxmlformats.org/drawingml/2006/main" xmlns:r="http://schemas.openxmlformats.org/officeDocument/2006/relationships" xmlns:p1510="http://schemas.microsoft.com/office/powerpoint/2015/10/main">
   <p1510:revLst>
-    <p1510:client id="{03FC0ED1-E38B-4084-A7E5-5C3B9745622C}" v="85" dt="2020-02-04T03:24:01.740"/>
+    <p1510:client id="{03FC0ED1-E38B-4084-A7E5-5C3B9745622C}" v="126" dt="2020-02-11T17:58:57.720"/>
   </p1510:revLst>
 </p1510:revInfo>
 </file>
@@ -127,7 +150,7 @@
   <pc:docChgLst>
     <pc:chgData name="Ge Jin" userId="089b13c8-2cf9-4422-860f-d0d1199204da" providerId="ADAL" clId="{03FC0ED1-E38B-4084-A7E5-5C3B9745622C}"/>
     <pc:docChg chg="undo custSel mod addSld delSld modSld">
-      <pc:chgData name="Ge Jin" userId="089b13c8-2cf9-4422-860f-d0d1199204da" providerId="ADAL" clId="{03FC0ED1-E38B-4084-A7E5-5C3B9745622C}" dt="2020-02-04T03:24:16.517" v="651" actId="20577"/>
+      <pc:chgData name="Ge Jin" userId="089b13c8-2cf9-4422-860f-d0d1199204da" providerId="ADAL" clId="{03FC0ED1-E38B-4084-A7E5-5C3B9745622C}" dt="2020-02-11T17:59:10.502" v="1339" actId="1076"/>
       <pc:docMkLst>
         <pc:docMk/>
       </pc:docMkLst>
@@ -676,13 +699,13 @@
         </pc:picChg>
       </pc:sldChg>
       <pc:sldChg chg="addSp delSp modSp add">
-        <pc:chgData name="Ge Jin" userId="089b13c8-2cf9-4422-860f-d0d1199204da" providerId="ADAL" clId="{03FC0ED1-E38B-4084-A7E5-5C3B9745622C}" dt="2020-02-04T03:24:16.517" v="651" actId="20577"/>
+        <pc:chgData name="Ge Jin" userId="089b13c8-2cf9-4422-860f-d0d1199204da" providerId="ADAL" clId="{03FC0ED1-E38B-4084-A7E5-5C3B9745622C}" dt="2020-02-04T22:39:17.197" v="704" actId="313"/>
         <pc:sldMkLst>
           <pc:docMk/>
           <pc:sldMk cId="3562397488" sldId="264"/>
         </pc:sldMkLst>
         <pc:spChg chg="mod">
-          <ac:chgData name="Ge Jin" userId="089b13c8-2cf9-4422-860f-d0d1199204da" providerId="ADAL" clId="{03FC0ED1-E38B-4084-A7E5-5C3B9745622C}" dt="2020-02-04T03:24:16.517" v="651" actId="20577"/>
+          <ac:chgData name="Ge Jin" userId="089b13c8-2cf9-4422-860f-d0d1199204da" providerId="ADAL" clId="{03FC0ED1-E38B-4084-A7E5-5C3B9745622C}" dt="2020-02-04T22:39:17.197" v="704" actId="313"/>
           <ac:spMkLst>
             <pc:docMk/>
             <pc:sldMk cId="3562397488" sldId="264"/>
@@ -697,14 +720,344 @@
             <ac:spMk id="3" creationId="{CAC99BF5-335B-4440-959C-9A84DB3CE83C}"/>
           </ac:spMkLst>
         </pc:spChg>
-        <pc:picChg chg="add">
-          <ac:chgData name="Ge Jin" userId="089b13c8-2cf9-4422-860f-d0d1199204da" providerId="ADAL" clId="{03FC0ED1-E38B-4084-A7E5-5C3B9745622C}" dt="2020-02-04T03:24:01.739" v="622"/>
+        <pc:picChg chg="add mod">
+          <ac:chgData name="Ge Jin" userId="089b13c8-2cf9-4422-860f-d0d1199204da" providerId="ADAL" clId="{03FC0ED1-E38B-4084-A7E5-5C3B9745622C}" dt="2020-02-04T22:39:05.673" v="701" actId="1076"/>
           <ac:picMkLst>
             <pc:docMk/>
             <pc:sldMk cId="3562397488" sldId="264"/>
             <ac:picMk id="6146" creationId="{F0E06ABE-0B0D-4376-8DCA-CB27CC874575}"/>
           </ac:picMkLst>
         </pc:picChg>
+      </pc:sldChg>
+      <pc:sldChg chg="addSp delSp modSp add">
+        <pc:chgData name="Ge Jin" userId="089b13c8-2cf9-4422-860f-d0d1199204da" providerId="ADAL" clId="{03FC0ED1-E38B-4084-A7E5-5C3B9745622C}" dt="2020-02-04T22:36:10.806" v="699" actId="1076"/>
+        <pc:sldMkLst>
+          <pc:docMk/>
+          <pc:sldMk cId="283530611" sldId="265"/>
+        </pc:sldMkLst>
+        <pc:spChg chg="mod">
+          <ac:chgData name="Ge Jin" userId="089b13c8-2cf9-4422-860f-d0d1199204da" providerId="ADAL" clId="{03FC0ED1-E38B-4084-A7E5-5C3B9745622C}" dt="2020-02-04T22:32:29.180" v="693" actId="20577"/>
+          <ac:spMkLst>
+            <pc:docMk/>
+            <pc:sldMk cId="283530611" sldId="265"/>
+            <ac:spMk id="2" creationId="{B2FCD3AC-38DB-4493-AE02-E538161FF3C0}"/>
+          </ac:spMkLst>
+        </pc:spChg>
+        <pc:spChg chg="del">
+          <ac:chgData name="Ge Jin" userId="089b13c8-2cf9-4422-860f-d0d1199204da" providerId="ADAL" clId="{03FC0ED1-E38B-4084-A7E5-5C3B9745622C}" dt="2020-02-04T22:35:59.565" v="694"/>
+          <ac:spMkLst>
+            <pc:docMk/>
+            <pc:sldMk cId="283530611" sldId="265"/>
+            <ac:spMk id="3" creationId="{C37B1180-4F46-4980-8065-DDCCCEAF4475}"/>
+          </ac:spMkLst>
+        </pc:spChg>
+        <pc:picChg chg="add mod">
+          <ac:chgData name="Ge Jin" userId="089b13c8-2cf9-4422-860f-d0d1199204da" providerId="ADAL" clId="{03FC0ED1-E38B-4084-A7E5-5C3B9745622C}" dt="2020-02-04T22:36:10.806" v="699" actId="1076"/>
+          <ac:picMkLst>
+            <pc:docMk/>
+            <pc:sldMk cId="283530611" sldId="265"/>
+            <ac:picMk id="1026" creationId="{1DBCDC25-CAF5-46C1-91A6-E7060493D7A9}"/>
+          </ac:picMkLst>
+        </pc:picChg>
+      </pc:sldChg>
+      <pc:sldChg chg="addSp delSp modSp add">
+        <pc:chgData name="Ge Jin" userId="089b13c8-2cf9-4422-860f-d0d1199204da" providerId="ADAL" clId="{03FC0ED1-E38B-4084-A7E5-5C3B9745622C}" dt="2020-02-04T22:43:07.155" v="761" actId="20577"/>
+        <pc:sldMkLst>
+          <pc:docMk/>
+          <pc:sldMk cId="1682823244" sldId="266"/>
+        </pc:sldMkLst>
+        <pc:spChg chg="mod">
+          <ac:chgData name="Ge Jin" userId="089b13c8-2cf9-4422-860f-d0d1199204da" providerId="ADAL" clId="{03FC0ED1-E38B-4084-A7E5-5C3B9745622C}" dt="2020-02-04T22:43:07.155" v="761" actId="20577"/>
+          <ac:spMkLst>
+            <pc:docMk/>
+            <pc:sldMk cId="1682823244" sldId="266"/>
+            <ac:spMk id="2" creationId="{6CD0F71E-B279-414B-8D20-67B29A94405C}"/>
+          </ac:spMkLst>
+        </pc:spChg>
+        <pc:spChg chg="del">
+          <ac:chgData name="Ge Jin" userId="089b13c8-2cf9-4422-860f-d0d1199204da" providerId="ADAL" clId="{03FC0ED1-E38B-4084-A7E5-5C3B9745622C}" dt="2020-02-04T22:42:51.762" v="742"/>
+          <ac:spMkLst>
+            <pc:docMk/>
+            <pc:sldMk cId="1682823244" sldId="266"/>
+            <ac:spMk id="3" creationId="{25E9F285-2D8A-48F2-9795-283BDD125989}"/>
+          </ac:spMkLst>
+        </pc:spChg>
+        <pc:picChg chg="add mod">
+          <ac:chgData name="Ge Jin" userId="089b13c8-2cf9-4422-860f-d0d1199204da" providerId="ADAL" clId="{03FC0ED1-E38B-4084-A7E5-5C3B9745622C}" dt="2020-02-04T22:43:00.763" v="745" actId="1076"/>
+          <ac:picMkLst>
+            <pc:docMk/>
+            <pc:sldMk cId="1682823244" sldId="266"/>
+            <ac:picMk id="4" creationId="{27C86A5D-3EFA-4ACC-AFCF-265638D78324}"/>
+          </ac:picMkLst>
+        </pc:picChg>
+      </pc:sldChg>
+      <pc:sldChg chg="addSp delSp modSp add">
+        <pc:chgData name="Ge Jin" userId="089b13c8-2cf9-4422-860f-d0d1199204da" providerId="ADAL" clId="{03FC0ED1-E38B-4084-A7E5-5C3B9745622C}" dt="2020-02-04T22:55:31.667" v="945" actId="1076"/>
+        <pc:sldMkLst>
+          <pc:docMk/>
+          <pc:sldMk cId="1355462715" sldId="267"/>
+        </pc:sldMkLst>
+        <pc:spChg chg="mod">
+          <ac:chgData name="Ge Jin" userId="089b13c8-2cf9-4422-860f-d0d1199204da" providerId="ADAL" clId="{03FC0ED1-E38B-4084-A7E5-5C3B9745622C}" dt="2020-02-04T22:55:17.229" v="944" actId="20577"/>
+          <ac:spMkLst>
+            <pc:docMk/>
+            <pc:sldMk cId="1355462715" sldId="267"/>
+            <ac:spMk id="2" creationId="{C44BCD6C-D2B4-414D-9122-51AFE75B1644}"/>
+          </ac:spMkLst>
+        </pc:spChg>
+        <pc:spChg chg="del">
+          <ac:chgData name="Ge Jin" userId="089b13c8-2cf9-4422-860f-d0d1199204da" providerId="ADAL" clId="{03FC0ED1-E38B-4084-A7E5-5C3B9745622C}" dt="2020-02-04T22:53:23.846" v="810"/>
+          <ac:spMkLst>
+            <pc:docMk/>
+            <pc:sldMk cId="1355462715" sldId="267"/>
+            <ac:spMk id="3" creationId="{9C7825F5-7E20-4C31-9BB0-04A0F4DF0C75}"/>
+          </ac:spMkLst>
+        </pc:spChg>
+        <pc:spChg chg="add mod">
+          <ac:chgData name="Ge Jin" userId="089b13c8-2cf9-4422-860f-d0d1199204da" providerId="ADAL" clId="{03FC0ED1-E38B-4084-A7E5-5C3B9745622C}" dt="2020-02-04T22:55:31.667" v="945" actId="1076"/>
+          <ac:spMkLst>
+            <pc:docMk/>
+            <pc:sldMk cId="1355462715" sldId="267"/>
+            <ac:spMk id="5" creationId="{714D428F-FA9F-450A-B4F8-DEA3CB201BAC}"/>
+          </ac:spMkLst>
+        </pc:spChg>
+        <pc:picChg chg="add mod">
+          <ac:chgData name="Ge Jin" userId="089b13c8-2cf9-4422-860f-d0d1199204da" providerId="ADAL" clId="{03FC0ED1-E38B-4084-A7E5-5C3B9745622C}" dt="2020-02-04T22:53:56.610" v="818" actId="1076"/>
+          <ac:picMkLst>
+            <pc:docMk/>
+            <pc:sldMk cId="1355462715" sldId="267"/>
+            <ac:picMk id="4" creationId="{C404BFCF-5D00-40EA-B93F-F670B80835F9}"/>
+          </ac:picMkLst>
+        </pc:picChg>
+      </pc:sldChg>
+      <pc:sldChg chg="addSp delSp modSp add addCm delCm">
+        <pc:chgData name="Ge Jin" userId="089b13c8-2cf9-4422-860f-d0d1199204da" providerId="ADAL" clId="{03FC0ED1-E38B-4084-A7E5-5C3B9745622C}" dt="2020-02-11T15:13:57.392" v="1199" actId="1076"/>
+        <pc:sldMkLst>
+          <pc:docMk/>
+          <pc:sldMk cId="2687127479" sldId="268"/>
+        </pc:sldMkLst>
+        <pc:spChg chg="del mod">
+          <ac:chgData name="Ge Jin" userId="089b13c8-2cf9-4422-860f-d0d1199204da" providerId="ADAL" clId="{03FC0ED1-E38B-4084-A7E5-5C3B9745622C}" dt="2020-02-04T23:45:06.307" v="1148" actId="478"/>
+          <ac:spMkLst>
+            <pc:docMk/>
+            <pc:sldMk cId="2687127479" sldId="268"/>
+            <ac:spMk id="2" creationId="{8D87C337-334F-4F95-8A4D-16A761859553}"/>
+          </ac:spMkLst>
+        </pc:spChg>
+        <pc:spChg chg="del">
+          <ac:chgData name="Ge Jin" userId="089b13c8-2cf9-4422-860f-d0d1199204da" providerId="ADAL" clId="{03FC0ED1-E38B-4084-A7E5-5C3B9745622C}" dt="2020-02-04T23:34:03.096" v="947"/>
+          <ac:spMkLst>
+            <pc:docMk/>
+            <pc:sldMk cId="2687127479" sldId="268"/>
+            <ac:spMk id="3" creationId="{8ACDF511-6C86-498F-A910-78984C11AE63}"/>
+          </ac:spMkLst>
+        </pc:spChg>
+        <pc:spChg chg="add del mod">
+          <ac:chgData name="Ge Jin" userId="089b13c8-2cf9-4422-860f-d0d1199204da" providerId="ADAL" clId="{03FC0ED1-E38B-4084-A7E5-5C3B9745622C}" dt="2020-02-04T23:44:55.789" v="1146" actId="478"/>
+          <ac:spMkLst>
+            <pc:docMk/>
+            <pc:sldMk cId="2687127479" sldId="268"/>
+            <ac:spMk id="6" creationId="{3B4B0F0F-31A4-4452-9E55-354BB3047811}"/>
+          </ac:spMkLst>
+        </pc:spChg>
+        <pc:spChg chg="add del mod">
+          <ac:chgData name="Ge Jin" userId="089b13c8-2cf9-4422-860f-d0d1199204da" providerId="ADAL" clId="{03FC0ED1-E38B-4084-A7E5-5C3B9745622C}" dt="2020-02-04T23:44:25.101" v="1135" actId="478"/>
+          <ac:spMkLst>
+            <pc:docMk/>
+            <pc:sldMk cId="2687127479" sldId="268"/>
+            <ac:spMk id="7" creationId="{E82B2C79-082D-46D3-BEE2-425D43929BE3}"/>
+          </ac:spMkLst>
+        </pc:spChg>
+        <pc:spChg chg="add mod">
+          <ac:chgData name="Ge Jin" userId="089b13c8-2cf9-4422-860f-d0d1199204da" providerId="ADAL" clId="{03FC0ED1-E38B-4084-A7E5-5C3B9745622C}" dt="2020-02-04T23:45:22.846" v="1151" actId="1076"/>
+          <ac:spMkLst>
+            <pc:docMk/>
+            <pc:sldMk cId="2687127479" sldId="268"/>
+            <ac:spMk id="8" creationId="{B386A33F-D687-4FE7-8D0B-A487FCE90426}"/>
+          </ac:spMkLst>
+        </pc:spChg>
+        <pc:spChg chg="add mod">
+          <ac:chgData name="Ge Jin" userId="089b13c8-2cf9-4422-860f-d0d1199204da" providerId="ADAL" clId="{03FC0ED1-E38B-4084-A7E5-5C3B9745622C}" dt="2020-02-04T23:45:22.846" v="1151" actId="1076"/>
+          <ac:spMkLst>
+            <pc:docMk/>
+            <pc:sldMk cId="2687127479" sldId="268"/>
+            <ac:spMk id="9" creationId="{57AB871A-4A24-460A-91FC-C10B835DFAE0}"/>
+          </ac:spMkLst>
+        </pc:spChg>
+        <pc:spChg chg="add mod">
+          <ac:chgData name="Ge Jin" userId="089b13c8-2cf9-4422-860f-d0d1199204da" providerId="ADAL" clId="{03FC0ED1-E38B-4084-A7E5-5C3B9745622C}" dt="2020-02-04T23:45:18.588" v="1150" actId="1076"/>
+          <ac:spMkLst>
+            <pc:docMk/>
+            <pc:sldMk cId="2687127479" sldId="268"/>
+            <ac:spMk id="17" creationId="{323DA684-90DA-40CD-95C9-A7E1A1780F1C}"/>
+          </ac:spMkLst>
+        </pc:spChg>
+        <pc:spChg chg="add mod">
+          <ac:chgData name="Ge Jin" userId="089b13c8-2cf9-4422-860f-d0d1199204da" providerId="ADAL" clId="{03FC0ED1-E38B-4084-A7E5-5C3B9745622C}" dt="2020-02-04T23:45:18.588" v="1150" actId="1076"/>
+          <ac:spMkLst>
+            <pc:docMk/>
+            <pc:sldMk cId="2687127479" sldId="268"/>
+            <ac:spMk id="18" creationId="{E7C6B197-E57B-42F3-A91C-13DF17548883}"/>
+          </ac:spMkLst>
+        </pc:spChg>
+        <pc:spChg chg="add mod">
+          <ac:chgData name="Ge Jin" userId="089b13c8-2cf9-4422-860f-d0d1199204da" providerId="ADAL" clId="{03FC0ED1-E38B-4084-A7E5-5C3B9745622C}" dt="2020-02-04T23:45:18.588" v="1150" actId="1076"/>
+          <ac:spMkLst>
+            <pc:docMk/>
+            <pc:sldMk cId="2687127479" sldId="268"/>
+            <ac:spMk id="19" creationId="{06322889-B629-42F9-B070-103D4AC82F94}"/>
+          </ac:spMkLst>
+        </pc:spChg>
+        <pc:spChg chg="add del mod">
+          <ac:chgData name="Ge Jin" userId="089b13c8-2cf9-4422-860f-d0d1199204da" providerId="ADAL" clId="{03FC0ED1-E38B-4084-A7E5-5C3B9745622C}" dt="2020-02-04T23:45:11.087" v="1149" actId="478"/>
+          <ac:spMkLst>
+            <pc:docMk/>
+            <pc:sldMk cId="2687127479" sldId="268"/>
+            <ac:spMk id="21" creationId="{E25BFC65-5D64-4C9A-B02C-4269481F2416}"/>
+          </ac:spMkLst>
+        </pc:spChg>
+        <pc:spChg chg="add mod">
+          <ac:chgData name="Ge Jin" userId="089b13c8-2cf9-4422-860f-d0d1199204da" providerId="ADAL" clId="{03FC0ED1-E38B-4084-A7E5-5C3B9745622C}" dt="2020-02-04T23:45:41.952" v="1188" actId="1076"/>
+          <ac:spMkLst>
+            <pc:docMk/>
+            <pc:sldMk cId="2687127479" sldId="268"/>
+            <ac:spMk id="22" creationId="{686150A8-2853-464F-8C67-2B31A269F61A}"/>
+          </ac:spMkLst>
+        </pc:spChg>
+        <pc:spChg chg="add mod">
+          <ac:chgData name="Ge Jin" userId="089b13c8-2cf9-4422-860f-d0d1199204da" providerId="ADAL" clId="{03FC0ED1-E38B-4084-A7E5-5C3B9745622C}" dt="2020-02-04T23:45:50.338" v="1194" actId="1076"/>
+          <ac:spMkLst>
+            <pc:docMk/>
+            <pc:sldMk cId="2687127479" sldId="268"/>
+            <ac:spMk id="24" creationId="{500BFF99-E5BF-4849-BDCF-2E2F64F78313}"/>
+          </ac:spMkLst>
+        </pc:spChg>
+        <pc:picChg chg="add mod">
+          <ac:chgData name="Ge Jin" userId="089b13c8-2cf9-4422-860f-d0d1199204da" providerId="ADAL" clId="{03FC0ED1-E38B-4084-A7E5-5C3B9745622C}" dt="2020-02-04T23:45:22.846" v="1151" actId="1076"/>
+          <ac:picMkLst>
+            <pc:docMk/>
+            <pc:sldMk cId="2687127479" sldId="268"/>
+            <ac:picMk id="4" creationId="{013EF979-3D6D-4108-932A-C5A1B2070E56}"/>
+          </ac:picMkLst>
+        </pc:picChg>
+        <pc:picChg chg="add mod">
+          <ac:chgData name="Ge Jin" userId="089b13c8-2cf9-4422-860f-d0d1199204da" providerId="ADAL" clId="{03FC0ED1-E38B-4084-A7E5-5C3B9745622C}" dt="2020-02-04T23:45:22.846" v="1151" actId="1076"/>
+          <ac:picMkLst>
+            <pc:docMk/>
+            <pc:sldMk cId="2687127479" sldId="268"/>
+            <ac:picMk id="5" creationId="{D997947A-12F1-4725-B5B4-2E28567F2547}"/>
+          </ac:picMkLst>
+        </pc:picChg>
+        <pc:picChg chg="add mod ord">
+          <ac:chgData name="Ge Jin" userId="089b13c8-2cf9-4422-860f-d0d1199204da" providerId="ADAL" clId="{03FC0ED1-E38B-4084-A7E5-5C3B9745622C}" dt="2020-02-04T23:45:18.588" v="1150" actId="1076"/>
+          <ac:picMkLst>
+            <pc:docMk/>
+            <pc:sldMk cId="2687127479" sldId="268"/>
+            <ac:picMk id="15" creationId="{F7B1B586-215A-425F-B833-A76D7F37D91B}"/>
+          </ac:picMkLst>
+        </pc:picChg>
+        <pc:picChg chg="add mod">
+          <ac:chgData name="Ge Jin" userId="089b13c8-2cf9-4422-860f-d0d1199204da" providerId="ADAL" clId="{03FC0ED1-E38B-4084-A7E5-5C3B9745622C}" dt="2020-02-04T23:45:18.588" v="1150" actId="1076"/>
+          <ac:picMkLst>
+            <pc:docMk/>
+            <pc:sldMk cId="2687127479" sldId="268"/>
+            <ac:picMk id="16" creationId="{8AE3310E-5AFE-4F96-9A0A-5A606EA2186A}"/>
+          </ac:picMkLst>
+        </pc:picChg>
+        <pc:picChg chg="add mod">
+          <ac:chgData name="Ge Jin" userId="089b13c8-2cf9-4422-860f-d0d1199204da" providerId="ADAL" clId="{03FC0ED1-E38B-4084-A7E5-5C3B9745622C}" dt="2020-02-04T23:45:18.588" v="1150" actId="1076"/>
+          <ac:picMkLst>
+            <pc:docMk/>
+            <pc:sldMk cId="2687127479" sldId="268"/>
+            <ac:picMk id="2050" creationId="{7B704038-8CB5-4A12-BB40-15E86E3A5134}"/>
+          </ac:picMkLst>
+        </pc:picChg>
+        <pc:cxnChg chg="add del mod">
+          <ac:chgData name="Ge Jin" userId="089b13c8-2cf9-4422-860f-d0d1199204da" providerId="ADAL" clId="{03FC0ED1-E38B-4084-A7E5-5C3B9745622C}" dt="2020-02-04T23:43:13.479" v="1128" actId="478"/>
+          <ac:cxnSpMkLst>
+            <pc:docMk/>
+            <pc:sldMk cId="2687127479" sldId="268"/>
+            <ac:cxnSpMk id="11" creationId="{6736982D-9668-40CF-83D2-ECA5C8947DDA}"/>
+          </ac:cxnSpMkLst>
+        </pc:cxnChg>
+        <pc:cxnChg chg="add del mod">
+          <ac:chgData name="Ge Jin" userId="089b13c8-2cf9-4422-860f-d0d1199204da" providerId="ADAL" clId="{03FC0ED1-E38B-4084-A7E5-5C3B9745622C}" dt="2020-02-04T23:43:13.479" v="1128" actId="478"/>
+          <ac:cxnSpMkLst>
+            <pc:docMk/>
+            <pc:sldMk cId="2687127479" sldId="268"/>
+            <ac:cxnSpMk id="13" creationId="{142EF59C-9C56-4E09-9451-BBF152BBE6D7}"/>
+          </ac:cxnSpMkLst>
+        </pc:cxnChg>
+        <pc:cxnChg chg="add mod">
+          <ac:chgData name="Ge Jin" userId="089b13c8-2cf9-4422-860f-d0d1199204da" providerId="ADAL" clId="{03FC0ED1-E38B-4084-A7E5-5C3B9745622C}" dt="2020-02-11T15:13:57.392" v="1199" actId="1076"/>
+          <ac:cxnSpMkLst>
+            <pc:docMk/>
+            <pc:sldMk cId="2687127479" sldId="268"/>
+            <ac:cxnSpMk id="25" creationId="{909375B8-35AC-41E3-A889-6453E456653D}"/>
+          </ac:cxnSpMkLst>
+        </pc:cxnChg>
+      </pc:sldChg>
+      <pc:sldChg chg="modSp add">
+        <pc:chgData name="Ge Jin" userId="089b13c8-2cf9-4422-860f-d0d1199204da" providerId="ADAL" clId="{03FC0ED1-E38B-4084-A7E5-5C3B9745622C}" dt="2020-02-11T17:55:09.077" v="1246" actId="20577"/>
+        <pc:sldMkLst>
+          <pc:docMk/>
+          <pc:sldMk cId="3275874884" sldId="269"/>
+        </pc:sldMkLst>
+        <pc:spChg chg="mod">
+          <ac:chgData name="Ge Jin" userId="089b13c8-2cf9-4422-860f-d0d1199204da" providerId="ADAL" clId="{03FC0ED1-E38B-4084-A7E5-5C3B9745622C}" dt="2020-02-11T17:55:09.077" v="1246" actId="20577"/>
+          <ac:spMkLst>
+            <pc:docMk/>
+            <pc:sldMk cId="3275874884" sldId="269"/>
+            <ac:spMk id="2" creationId="{0AE42666-78C6-443D-B378-23F42B28402A}"/>
+          </ac:spMkLst>
+        </pc:spChg>
+      </pc:sldChg>
+      <pc:sldChg chg="addSp delSp modSp add">
+        <pc:chgData name="Ge Jin" userId="089b13c8-2cf9-4422-860f-d0d1199204da" providerId="ADAL" clId="{03FC0ED1-E38B-4084-A7E5-5C3B9745622C}" dt="2020-02-11T17:59:10.502" v="1339" actId="1076"/>
+        <pc:sldMkLst>
+          <pc:docMk/>
+          <pc:sldMk cId="249952891" sldId="270"/>
+        </pc:sldMkLst>
+        <pc:spChg chg="mod">
+          <ac:chgData name="Ge Jin" userId="089b13c8-2cf9-4422-860f-d0d1199204da" providerId="ADAL" clId="{03FC0ED1-E38B-4084-A7E5-5C3B9745622C}" dt="2020-02-11T17:57:31.623" v="1299" actId="20577"/>
+          <ac:spMkLst>
+            <pc:docMk/>
+            <pc:sldMk cId="249952891" sldId="270"/>
+            <ac:spMk id="2" creationId="{7B458DED-4FB4-4ECB-8010-1CE8B944DBF4}"/>
+          </ac:spMkLst>
+        </pc:spChg>
+        <pc:spChg chg="del">
+          <ac:chgData name="Ge Jin" userId="089b13c8-2cf9-4422-860f-d0d1199204da" providerId="ADAL" clId="{03FC0ED1-E38B-4084-A7E5-5C3B9745622C}" dt="2020-02-11T17:57:36.057" v="1300" actId="478"/>
+          <ac:spMkLst>
+            <pc:docMk/>
+            <pc:sldMk cId="249952891" sldId="270"/>
+            <ac:spMk id="3" creationId="{A240445F-38D5-4AA8-A4BE-89662B39AEDF}"/>
+          </ac:spMkLst>
+        </pc:spChg>
+        <pc:spChg chg="add mod">
+          <ac:chgData name="Ge Jin" userId="089b13c8-2cf9-4422-860f-d0d1199204da" providerId="ADAL" clId="{03FC0ED1-E38B-4084-A7E5-5C3B9745622C}" dt="2020-02-11T17:59:10.502" v="1339" actId="1076"/>
+          <ac:spMkLst>
+            <pc:docMk/>
+            <pc:sldMk cId="249952891" sldId="270"/>
+            <ac:spMk id="6" creationId="{1934A737-5B0F-46D2-A01B-9C920C270025}"/>
+          </ac:spMkLst>
+        </pc:spChg>
+        <pc:spChg chg="add mod">
+          <ac:chgData name="Ge Jin" userId="089b13c8-2cf9-4422-860f-d0d1199204da" providerId="ADAL" clId="{03FC0ED1-E38B-4084-A7E5-5C3B9745622C}" dt="2020-02-11T17:59:07.715" v="1338" actId="1076"/>
+          <ac:spMkLst>
+            <pc:docMk/>
+            <pc:sldMk cId="249952891" sldId="270"/>
+            <ac:spMk id="7" creationId="{6B3AC592-E9C8-4169-9EFC-B0E32465527F}"/>
+          </ac:spMkLst>
+        </pc:spChg>
+        <pc:graphicFrameChg chg="add mod modGraphic">
+          <ac:chgData name="Ge Jin" userId="089b13c8-2cf9-4422-860f-d0d1199204da" providerId="ADAL" clId="{03FC0ED1-E38B-4084-A7E5-5C3B9745622C}" dt="2020-02-11T17:58:26.465" v="1308" actId="14100"/>
+          <ac:graphicFrameMkLst>
+            <pc:docMk/>
+            <pc:sldMk cId="249952891" sldId="270"/>
+            <ac:graphicFrameMk id="4" creationId="{D2FC7887-22F9-4B53-A760-2D2F7EDD0C2A}"/>
+          </ac:graphicFrameMkLst>
+        </pc:graphicFrameChg>
       </pc:sldChg>
     </pc:docChg>
   </pc:docChgLst>
@@ -840,7 +1193,7 @@
           <a:p>
             <a:fld id="{2B1B3BFD-D56C-4999-BC71-8B915D30DC92}" type="datetimeFigureOut">
               <a:rPr lang="en-US" smtClean="0"/>
-              <a:t>2/1/2020</a:t>
+              <a:t>2/4/2020</a:t>
             </a:fld>
             <a:endParaRPr lang="en-US"/>
           </a:p>
@@ -1008,7 +1361,7 @@
           <a:p>
             <a:fld id="{2B1B3BFD-D56C-4999-BC71-8B915D30DC92}" type="datetimeFigureOut">
               <a:rPr lang="en-US" smtClean="0"/>
-              <a:t>2/1/2020</a:t>
+              <a:t>2/4/2020</a:t>
             </a:fld>
             <a:endParaRPr lang="en-US"/>
           </a:p>
@@ -1186,7 +1539,7 @@
           <a:p>
             <a:fld id="{2B1B3BFD-D56C-4999-BC71-8B915D30DC92}" type="datetimeFigureOut">
               <a:rPr lang="en-US" smtClean="0"/>
-              <a:t>2/1/2020</a:t>
+              <a:t>2/4/2020</a:t>
             </a:fld>
             <a:endParaRPr lang="en-US"/>
           </a:p>
@@ -1354,7 +1707,7 @@
           <a:p>
             <a:fld id="{2B1B3BFD-D56C-4999-BC71-8B915D30DC92}" type="datetimeFigureOut">
               <a:rPr lang="en-US" smtClean="0"/>
-              <a:t>2/1/2020</a:t>
+              <a:t>2/4/2020</a:t>
             </a:fld>
             <a:endParaRPr lang="en-US"/>
           </a:p>
@@ -1599,7 +1952,7 @@
           <a:p>
             <a:fld id="{2B1B3BFD-D56C-4999-BC71-8B915D30DC92}" type="datetimeFigureOut">
               <a:rPr lang="en-US" smtClean="0"/>
-              <a:t>2/1/2020</a:t>
+              <a:t>2/4/2020</a:t>
             </a:fld>
             <a:endParaRPr lang="en-US"/>
           </a:p>
@@ -1828,7 +2181,7 @@
           <a:p>
             <a:fld id="{2B1B3BFD-D56C-4999-BC71-8B915D30DC92}" type="datetimeFigureOut">
               <a:rPr lang="en-US" smtClean="0"/>
-              <a:t>2/1/2020</a:t>
+              <a:t>2/4/2020</a:t>
             </a:fld>
             <a:endParaRPr lang="en-US"/>
           </a:p>
@@ -2192,7 +2545,7 @@
           <a:p>
             <a:fld id="{2B1B3BFD-D56C-4999-BC71-8B915D30DC92}" type="datetimeFigureOut">
               <a:rPr lang="en-US" smtClean="0"/>
-              <a:t>2/1/2020</a:t>
+              <a:t>2/4/2020</a:t>
             </a:fld>
             <a:endParaRPr lang="en-US"/>
           </a:p>
@@ -2309,7 +2662,7 @@
           <a:p>
             <a:fld id="{2B1B3BFD-D56C-4999-BC71-8B915D30DC92}" type="datetimeFigureOut">
               <a:rPr lang="en-US" smtClean="0"/>
-              <a:t>2/1/2020</a:t>
+              <a:t>2/4/2020</a:t>
             </a:fld>
             <a:endParaRPr lang="en-US"/>
           </a:p>
@@ -2404,7 +2757,7 @@
           <a:p>
             <a:fld id="{2B1B3BFD-D56C-4999-BC71-8B915D30DC92}" type="datetimeFigureOut">
               <a:rPr lang="en-US" smtClean="0"/>
-              <a:t>2/1/2020</a:t>
+              <a:t>2/4/2020</a:t>
             </a:fld>
             <a:endParaRPr lang="en-US"/>
           </a:p>
@@ -2679,7 +3032,7 @@
           <a:p>
             <a:fld id="{2B1B3BFD-D56C-4999-BC71-8B915D30DC92}" type="datetimeFigureOut">
               <a:rPr lang="en-US" smtClean="0"/>
-              <a:t>2/1/2020</a:t>
+              <a:t>2/4/2020</a:t>
             </a:fld>
             <a:endParaRPr lang="en-US"/>
           </a:p>
@@ -2934,7 +3287,7 @@
           <a:p>
             <a:fld id="{2B1B3BFD-D56C-4999-BC71-8B915D30DC92}" type="datetimeFigureOut">
               <a:rPr lang="en-US" smtClean="0"/>
-              <a:t>2/1/2020</a:t>
+              <a:t>2/4/2020</a:t>
             </a:fld>
             <a:endParaRPr lang="en-US"/>
           </a:p>
@@ -3157,7 +3510,7 @@
           <a:p>
             <a:fld id="{2B1B3BFD-D56C-4999-BC71-8B915D30DC92}" type="datetimeFigureOut">
               <a:rPr lang="en-US" smtClean="0"/>
-              <a:t>2/1/2020</a:t>
+              <a:t>2/4/2020</a:t>
             </a:fld>
             <a:endParaRPr lang="en-US"/>
           </a:p>
@@ -3640,6 +3993,1488 @@
 </p:sld>
 </file>
 
+<file path=ppt/slides/slide10.xml><?xml version="1.0" encoding="utf-8"?>
+<p:sld xmlns:a="http://schemas.openxmlformats.org/drawingml/2006/main" xmlns:r="http://schemas.openxmlformats.org/officeDocument/2006/relationships" xmlns:p="http://schemas.openxmlformats.org/presentationml/2006/main">
+  <p:cSld>
+    <p:spTree>
+      <p:nvGrpSpPr>
+        <p:cNvPr id="1" name=""/>
+        <p:cNvGrpSpPr/>
+        <p:nvPr/>
+      </p:nvGrpSpPr>
+      <p:grpSpPr>
+        <a:xfrm>
+          <a:off x="0" y="0"/>
+          <a:ext cx="0" cy="0"/>
+          <a:chOff x="0" y="0"/>
+          <a:chExt cx="0" cy="0"/>
+        </a:xfrm>
+      </p:grpSpPr>
+      <p:sp>
+        <p:nvSpPr>
+          <p:cNvPr id="2" name="Title 1">
+            <a:extLst>
+              <a:ext uri="{FF2B5EF4-FFF2-40B4-BE49-F238E27FC236}">
+                <a16:creationId xmlns:a16="http://schemas.microsoft.com/office/drawing/2014/main" id="{6CD0F71E-B279-414B-8D20-67B29A94405C}"/>
+              </a:ext>
+            </a:extLst>
+          </p:cNvPr>
+          <p:cNvSpPr>
+            <a:spLocks noGrp="1"/>
+          </p:cNvSpPr>
+          <p:nvPr>
+            <p:ph type="title"/>
+          </p:nvPr>
+        </p:nvSpPr>
+        <p:spPr/>
+        <p:txBody>
+          <a:bodyPr/>
+          <a:lstStyle/>
+          <a:p>
+            <a:r>
+              <a:rPr lang="en-US" dirty="0"/>
+              <a:t>Data mining: gaining insights</a:t>
+            </a:r>
+          </a:p>
+        </p:txBody>
+      </p:sp>
+      <p:pic>
+        <p:nvPicPr>
+          <p:cNvPr id="4" name="Content Placeholder 3">
+            <a:extLst>
+              <a:ext uri="{FF2B5EF4-FFF2-40B4-BE49-F238E27FC236}">
+                <a16:creationId xmlns:a16="http://schemas.microsoft.com/office/drawing/2014/main" id="{27C86A5D-3EFA-4ACC-AFCF-265638D78324}"/>
+              </a:ext>
+            </a:extLst>
+          </p:cNvPr>
+          <p:cNvPicPr>
+            <a:picLocks noGrp="1" noChangeAspect="1"/>
+          </p:cNvPicPr>
+          <p:nvPr>
+            <p:ph idx="1"/>
+          </p:nvPr>
+        </p:nvPicPr>
+        <p:blipFill>
+          <a:blip r:embed="rId2"/>
+          <a:stretch>
+            <a:fillRect/>
+          </a:stretch>
+        </p:blipFill>
+        <p:spPr>
+          <a:xfrm>
+            <a:off x="2609957" y="1496378"/>
+            <a:ext cx="7482733" cy="4492738"/>
+          </a:xfrm>
+          <a:prstGeom prst="rect">
+            <a:avLst/>
+          </a:prstGeom>
+        </p:spPr>
+      </p:pic>
+    </p:spTree>
+    <p:extLst>
+      <p:ext uri="{BB962C8B-B14F-4D97-AF65-F5344CB8AC3E}">
+        <p14:creationId xmlns:p14="http://schemas.microsoft.com/office/powerpoint/2010/main" val="1682823244"/>
+      </p:ext>
+    </p:extLst>
+  </p:cSld>
+  <p:clrMapOvr>
+    <a:masterClrMapping/>
+  </p:clrMapOvr>
+</p:sld>
+</file>
+
+<file path=ppt/slides/slide11.xml><?xml version="1.0" encoding="utf-8"?>
+<p:sld xmlns:a="http://schemas.openxmlformats.org/drawingml/2006/main" xmlns:r="http://schemas.openxmlformats.org/officeDocument/2006/relationships" xmlns:p="http://schemas.openxmlformats.org/presentationml/2006/main">
+  <p:cSld>
+    <p:spTree>
+      <p:nvGrpSpPr>
+        <p:cNvPr id="1" name=""/>
+        <p:cNvGrpSpPr/>
+        <p:nvPr/>
+      </p:nvGrpSpPr>
+      <p:grpSpPr>
+        <a:xfrm>
+          <a:off x="0" y="0"/>
+          <a:ext cx="0" cy="0"/>
+          <a:chOff x="0" y="0"/>
+          <a:chExt cx="0" cy="0"/>
+        </a:xfrm>
+      </p:grpSpPr>
+      <p:sp>
+        <p:nvSpPr>
+          <p:cNvPr id="2" name="Title 1">
+            <a:extLst>
+              <a:ext uri="{FF2B5EF4-FFF2-40B4-BE49-F238E27FC236}">
+                <a16:creationId xmlns:a16="http://schemas.microsoft.com/office/drawing/2014/main" id="{C44BCD6C-D2B4-414D-9122-51AFE75B1644}"/>
+              </a:ext>
+            </a:extLst>
+          </p:cNvPr>
+          <p:cNvSpPr>
+            <a:spLocks noGrp="1"/>
+          </p:cNvSpPr>
+          <p:nvPr>
+            <p:ph type="title"/>
+          </p:nvPr>
+        </p:nvSpPr>
+        <p:spPr>
+          <a:xfrm>
+            <a:off x="838200" y="134537"/>
+            <a:ext cx="10515600" cy="1325563"/>
+          </a:xfrm>
+        </p:spPr>
+        <p:txBody>
+          <a:bodyPr/>
+          <a:lstStyle/>
+          <a:p>
+            <a:r>
+              <a:rPr lang="en-US" dirty="0"/>
+              <a:t>Races stereotypes obtained from google search: why are [race] [adj.]?</a:t>
+            </a:r>
+          </a:p>
+        </p:txBody>
+      </p:sp>
+      <p:pic>
+        <p:nvPicPr>
+          <p:cNvPr id="4" name="Content Placeholder 3">
+            <a:extLst>
+              <a:ext uri="{FF2B5EF4-FFF2-40B4-BE49-F238E27FC236}">
+                <a16:creationId xmlns:a16="http://schemas.microsoft.com/office/drawing/2014/main" id="{C404BFCF-5D00-40EA-B93F-F670B80835F9}"/>
+              </a:ext>
+            </a:extLst>
+          </p:cNvPr>
+          <p:cNvPicPr>
+            <a:picLocks noGrp="1" noChangeAspect="1"/>
+          </p:cNvPicPr>
+          <p:nvPr>
+            <p:ph idx="1"/>
+          </p:nvPr>
+        </p:nvPicPr>
+        <p:blipFill>
+          <a:blip r:embed="rId2"/>
+          <a:stretch>
+            <a:fillRect/>
+          </a:stretch>
+        </p:blipFill>
+        <p:spPr>
+          <a:xfrm>
+            <a:off x="646400" y="1690688"/>
+            <a:ext cx="7583200" cy="4312645"/>
+          </a:xfrm>
+          <a:prstGeom prst="rect">
+            <a:avLst/>
+          </a:prstGeom>
+        </p:spPr>
+      </p:pic>
+      <p:sp>
+        <p:nvSpPr>
+          <p:cNvPr id="5" name="Rectangle 4">
+            <a:extLst>
+              <a:ext uri="{FF2B5EF4-FFF2-40B4-BE49-F238E27FC236}">
+                <a16:creationId xmlns:a16="http://schemas.microsoft.com/office/drawing/2014/main" id="{714D428F-FA9F-450A-B4F8-DEA3CB201BAC}"/>
+              </a:ext>
+            </a:extLst>
+          </p:cNvPr>
+          <p:cNvSpPr/>
+          <p:nvPr/>
+        </p:nvSpPr>
+        <p:spPr>
+          <a:xfrm>
+            <a:off x="8407179" y="1925714"/>
+            <a:ext cx="3646998" cy="1754326"/>
+          </a:xfrm>
+          <a:prstGeom prst="rect">
+            <a:avLst/>
+          </a:prstGeom>
+        </p:spPr>
+        <p:txBody>
+          <a:bodyPr wrap="square">
+            <a:spAutoFit/>
+          </a:bodyPr>
+          <a:lstStyle/>
+          <a:p>
+            <a:r>
+              <a:rPr lang="en-US" dirty="0">
+                <a:solidFill>
+                  <a:srgbClr val="222222"/>
+                </a:solidFill>
+                <a:latin typeface="Arial" panose="020B0604020202020204" pitchFamily="34" charset="0"/>
+              </a:rPr>
+              <a:t>Stephens-</a:t>
+            </a:r>
+            <a:r>
+              <a:rPr lang="en-US" dirty="0" err="1">
+                <a:solidFill>
+                  <a:srgbClr val="222222"/>
+                </a:solidFill>
+                <a:latin typeface="Arial" panose="020B0604020202020204" pitchFamily="34" charset="0"/>
+              </a:rPr>
+              <a:t>Davidowitz</a:t>
+            </a:r>
+            <a:r>
+              <a:rPr lang="en-US" dirty="0">
+                <a:solidFill>
+                  <a:srgbClr val="222222"/>
+                </a:solidFill>
+                <a:latin typeface="Arial" panose="020B0604020202020204" pitchFamily="34" charset="0"/>
+              </a:rPr>
+              <a:t>, S. and Pabon, A., 2017. </a:t>
+            </a:r>
+            <a:r>
+              <a:rPr lang="en-US" i="1" dirty="0">
+                <a:solidFill>
+                  <a:srgbClr val="222222"/>
+                </a:solidFill>
+                <a:latin typeface="Arial" panose="020B0604020202020204" pitchFamily="34" charset="0"/>
+              </a:rPr>
+              <a:t>Everybody lies: Big data, new data, and what the internet can tell us about who we really are</a:t>
+            </a:r>
+            <a:r>
+              <a:rPr lang="en-US" dirty="0">
+                <a:solidFill>
+                  <a:srgbClr val="222222"/>
+                </a:solidFill>
+                <a:latin typeface="Arial" panose="020B0604020202020204" pitchFamily="34" charset="0"/>
+              </a:rPr>
+              <a:t>. New York: HarperCollins.</a:t>
+            </a:r>
+            <a:endParaRPr lang="en-US" dirty="0"/>
+          </a:p>
+        </p:txBody>
+      </p:sp>
+    </p:spTree>
+    <p:extLst>
+      <p:ext uri="{BB962C8B-B14F-4D97-AF65-F5344CB8AC3E}">
+        <p14:creationId xmlns:p14="http://schemas.microsoft.com/office/powerpoint/2010/main" val="1355462715"/>
+      </p:ext>
+    </p:extLst>
+  </p:cSld>
+  <p:clrMapOvr>
+    <a:masterClrMapping/>
+  </p:clrMapOvr>
+</p:sld>
+</file>
+
+<file path=ppt/slides/slide12.xml><?xml version="1.0" encoding="utf-8"?>
+<p:sld xmlns:a="http://schemas.openxmlformats.org/drawingml/2006/main" xmlns:r="http://schemas.openxmlformats.org/officeDocument/2006/relationships" xmlns:p="http://schemas.openxmlformats.org/presentationml/2006/main">
+  <p:cSld>
+    <p:spTree>
+      <p:nvGrpSpPr>
+        <p:cNvPr id="1" name=""/>
+        <p:cNvGrpSpPr/>
+        <p:nvPr/>
+      </p:nvGrpSpPr>
+      <p:grpSpPr>
+        <a:xfrm>
+          <a:off x="0" y="0"/>
+          <a:ext cx="0" cy="0"/>
+          <a:chOff x="0" y="0"/>
+          <a:chExt cx="0" cy="0"/>
+        </a:xfrm>
+      </p:grpSpPr>
+      <p:pic>
+        <p:nvPicPr>
+          <p:cNvPr id="15" name="Picture 14">
+            <a:extLst>
+              <a:ext uri="{FF2B5EF4-FFF2-40B4-BE49-F238E27FC236}">
+                <a16:creationId xmlns:a16="http://schemas.microsoft.com/office/drawing/2014/main" id="{F7B1B586-215A-425F-B833-A76D7F37D91B}"/>
+              </a:ext>
+            </a:extLst>
+          </p:cNvPr>
+          <p:cNvPicPr>
+            <a:picLocks noChangeAspect="1"/>
+          </p:cNvPicPr>
+          <p:nvPr/>
+        </p:nvPicPr>
+        <p:blipFill>
+          <a:blip r:embed="rId2"/>
+          <a:stretch>
+            <a:fillRect/>
+          </a:stretch>
+        </p:blipFill>
+        <p:spPr>
+          <a:xfrm>
+            <a:off x="481349" y="1665904"/>
+            <a:ext cx="3312952" cy="1632764"/>
+          </a:xfrm>
+          <a:prstGeom prst="rect">
+            <a:avLst/>
+          </a:prstGeom>
+        </p:spPr>
+      </p:pic>
+      <p:pic>
+        <p:nvPicPr>
+          <p:cNvPr id="4" name="Content Placeholder 3">
+            <a:extLst>
+              <a:ext uri="{FF2B5EF4-FFF2-40B4-BE49-F238E27FC236}">
+                <a16:creationId xmlns:a16="http://schemas.microsoft.com/office/drawing/2014/main" id="{013EF979-3D6D-4108-932A-C5A1B2070E56}"/>
+              </a:ext>
+            </a:extLst>
+          </p:cNvPr>
+          <p:cNvPicPr>
+            <a:picLocks noGrp="1" noChangeAspect="1"/>
+          </p:cNvPicPr>
+          <p:nvPr>
+            <p:ph idx="1"/>
+          </p:nvPr>
+        </p:nvPicPr>
+        <p:blipFill>
+          <a:blip r:embed="rId3"/>
+          <a:stretch>
+            <a:fillRect/>
+          </a:stretch>
+        </p:blipFill>
+        <p:spPr>
+          <a:xfrm>
+            <a:off x="7574341" y="1961420"/>
+            <a:ext cx="4004310" cy="1312033"/>
+          </a:xfrm>
+          <a:prstGeom prst="rect">
+            <a:avLst/>
+          </a:prstGeom>
+        </p:spPr>
+      </p:pic>
+      <p:pic>
+        <p:nvPicPr>
+          <p:cNvPr id="5" name="Picture 4">
+            <a:extLst>
+              <a:ext uri="{FF2B5EF4-FFF2-40B4-BE49-F238E27FC236}">
+                <a16:creationId xmlns:a16="http://schemas.microsoft.com/office/drawing/2014/main" id="{D997947A-12F1-4725-B5B4-2E28567F2547}"/>
+              </a:ext>
+            </a:extLst>
+          </p:cNvPr>
+          <p:cNvPicPr>
+            <a:picLocks noChangeAspect="1"/>
+          </p:cNvPicPr>
+          <p:nvPr/>
+        </p:nvPicPr>
+        <p:blipFill>
+          <a:blip r:embed="rId4"/>
+          <a:stretch>
+            <a:fillRect/>
+          </a:stretch>
+        </p:blipFill>
+        <p:spPr>
+          <a:xfrm>
+            <a:off x="7869381" y="4187672"/>
+            <a:ext cx="3165764" cy="1618058"/>
+          </a:xfrm>
+          <a:prstGeom prst="rect">
+            <a:avLst/>
+          </a:prstGeom>
+        </p:spPr>
+      </p:pic>
+      <p:sp>
+        <p:nvSpPr>
+          <p:cNvPr id="8" name="TextBox 7">
+            <a:extLst>
+              <a:ext uri="{FF2B5EF4-FFF2-40B4-BE49-F238E27FC236}">
+                <a16:creationId xmlns:a16="http://schemas.microsoft.com/office/drawing/2014/main" id="{B386A33F-D687-4FE7-8D0B-A487FCE90426}"/>
+              </a:ext>
+            </a:extLst>
+          </p:cNvPr>
+          <p:cNvSpPr txBox="1"/>
+          <p:nvPr/>
+        </p:nvSpPr>
+        <p:spPr>
+          <a:xfrm>
+            <a:off x="8873836" y="1608655"/>
+            <a:ext cx="1405321" cy="369332"/>
+          </a:xfrm>
+          <a:prstGeom prst="rect">
+            <a:avLst/>
+          </a:prstGeom>
+          <a:noFill/>
+        </p:spPr>
+        <p:txBody>
+          <a:bodyPr wrap="none" rtlCol="0">
+            <a:spAutoFit/>
+          </a:bodyPr>
+          <a:lstStyle/>
+          <a:p>
+            <a:r>
+              <a:rPr lang="en-US" dirty="0"/>
+              <a:t>Classification</a:t>
+            </a:r>
+          </a:p>
+        </p:txBody>
+      </p:sp>
+      <p:sp>
+        <p:nvSpPr>
+          <p:cNvPr id="9" name="TextBox 8">
+            <a:extLst>
+              <a:ext uri="{FF2B5EF4-FFF2-40B4-BE49-F238E27FC236}">
+                <a16:creationId xmlns:a16="http://schemas.microsoft.com/office/drawing/2014/main" id="{57AB871A-4A24-460A-91FC-C10B835DFAE0}"/>
+              </a:ext>
+            </a:extLst>
+          </p:cNvPr>
+          <p:cNvSpPr txBox="1"/>
+          <p:nvPr/>
+        </p:nvSpPr>
+        <p:spPr>
+          <a:xfrm>
+            <a:off x="8977133" y="3870043"/>
+            <a:ext cx="1198726" cy="369332"/>
+          </a:xfrm>
+          <a:prstGeom prst="rect">
+            <a:avLst/>
+          </a:prstGeom>
+          <a:noFill/>
+        </p:spPr>
+        <p:txBody>
+          <a:bodyPr wrap="none" rtlCol="0">
+            <a:spAutoFit/>
+          </a:bodyPr>
+          <a:lstStyle/>
+          <a:p>
+            <a:r>
+              <a:rPr lang="en-US" dirty="0"/>
+              <a:t>Regression</a:t>
+            </a:r>
+          </a:p>
+        </p:txBody>
+      </p:sp>
+      <p:pic>
+        <p:nvPicPr>
+          <p:cNvPr id="16" name="Picture 15">
+            <a:extLst>
+              <a:ext uri="{FF2B5EF4-FFF2-40B4-BE49-F238E27FC236}">
+                <a16:creationId xmlns:a16="http://schemas.microsoft.com/office/drawing/2014/main" id="{8AE3310E-5AFE-4F96-9A0A-5A606EA2186A}"/>
+              </a:ext>
+            </a:extLst>
+          </p:cNvPr>
+          <p:cNvPicPr>
+            <a:picLocks noChangeAspect="1"/>
+          </p:cNvPicPr>
+          <p:nvPr/>
+        </p:nvPicPr>
+        <p:blipFill>
+          <a:blip r:embed="rId5"/>
+          <a:stretch>
+            <a:fillRect/>
+          </a:stretch>
+        </p:blipFill>
+        <p:spPr>
+          <a:xfrm>
+            <a:off x="482457" y="4414342"/>
+            <a:ext cx="3435902" cy="1688775"/>
+          </a:xfrm>
+          <a:prstGeom prst="rect">
+            <a:avLst/>
+          </a:prstGeom>
+        </p:spPr>
+      </p:pic>
+      <p:sp>
+        <p:nvSpPr>
+          <p:cNvPr id="17" name="TextBox 16">
+            <a:extLst>
+              <a:ext uri="{FF2B5EF4-FFF2-40B4-BE49-F238E27FC236}">
+                <a16:creationId xmlns:a16="http://schemas.microsoft.com/office/drawing/2014/main" id="{323DA684-90DA-40CD-95C9-A7E1A1780F1C}"/>
+              </a:ext>
+            </a:extLst>
+          </p:cNvPr>
+          <p:cNvSpPr txBox="1"/>
+          <p:nvPr/>
+        </p:nvSpPr>
+        <p:spPr>
+          <a:xfrm>
+            <a:off x="1484406" y="1359426"/>
+            <a:ext cx="1123769" cy="369332"/>
+          </a:xfrm>
+          <a:prstGeom prst="rect">
+            <a:avLst/>
+          </a:prstGeom>
+          <a:noFill/>
+        </p:spPr>
+        <p:txBody>
+          <a:bodyPr wrap="none" rtlCol="0">
+            <a:spAutoFit/>
+          </a:bodyPr>
+          <a:lstStyle/>
+          <a:p>
+            <a:r>
+              <a:rPr lang="en-US" dirty="0"/>
+              <a:t>Clustering</a:t>
+            </a:r>
+          </a:p>
+        </p:txBody>
+      </p:sp>
+      <p:sp>
+        <p:nvSpPr>
+          <p:cNvPr id="18" name="TextBox 17">
+            <a:extLst>
+              <a:ext uri="{FF2B5EF4-FFF2-40B4-BE49-F238E27FC236}">
+                <a16:creationId xmlns:a16="http://schemas.microsoft.com/office/drawing/2014/main" id="{E7C6B197-E57B-42F3-A91C-13DF17548883}"/>
+              </a:ext>
+            </a:extLst>
+          </p:cNvPr>
+          <p:cNvSpPr txBox="1"/>
+          <p:nvPr/>
+        </p:nvSpPr>
+        <p:spPr>
+          <a:xfrm>
+            <a:off x="1218665" y="4088634"/>
+            <a:ext cx="1963486" cy="369332"/>
+          </a:xfrm>
+          <a:prstGeom prst="rect">
+            <a:avLst/>
+          </a:prstGeom>
+          <a:noFill/>
+        </p:spPr>
+        <p:txBody>
+          <a:bodyPr wrap="none" rtlCol="0">
+            <a:spAutoFit/>
+          </a:bodyPr>
+          <a:lstStyle/>
+          <a:p>
+            <a:r>
+              <a:rPr lang="en-US" dirty="0"/>
+              <a:t>Anomaly detection</a:t>
+            </a:r>
+          </a:p>
+        </p:txBody>
+      </p:sp>
+      <p:pic>
+        <p:nvPicPr>
+          <p:cNvPr id="2050" name="Picture 2" descr="Image result for PCA&quot;">
+            <a:extLst>
+              <a:ext uri="{FF2B5EF4-FFF2-40B4-BE49-F238E27FC236}">
+                <a16:creationId xmlns:a16="http://schemas.microsoft.com/office/drawing/2014/main" id="{7B704038-8CB5-4A12-BB40-15E86E3A5134}"/>
+              </a:ext>
+            </a:extLst>
+          </p:cNvPr>
+          <p:cNvPicPr>
+            <a:picLocks noChangeAspect="1" noChangeArrowheads="1"/>
+          </p:cNvPicPr>
+          <p:nvPr/>
+        </p:nvPicPr>
+        <p:blipFill>
+          <a:blip r:embed="rId6">
+            <a:extLst>
+              <a:ext uri="{28A0092B-C50C-407E-A947-70E740481C1C}">
+                <a14:useLocalDpi xmlns:a14="http://schemas.microsoft.com/office/drawing/2010/main" val="0"/>
+              </a:ext>
+            </a:extLst>
+          </a:blip>
+          <a:srcRect/>
+          <a:stretch>
+            <a:fillRect/>
+          </a:stretch>
+        </p:blipFill>
+        <p:spPr bwMode="auto">
+          <a:xfrm>
+            <a:off x="4039571" y="2714411"/>
+            <a:ext cx="2056429" cy="2056429"/>
+          </a:xfrm>
+          <a:prstGeom prst="rect">
+            <a:avLst/>
+          </a:prstGeom>
+          <a:noFill/>
+          <a:extLst>
+            <a:ext uri="{909E8E84-426E-40DD-AFC4-6F175D3DCCD1}">
+              <a14:hiddenFill xmlns:a14="http://schemas.microsoft.com/office/drawing/2010/main">
+                <a:solidFill>
+                  <a:srgbClr val="FFFFFF"/>
+                </a:solidFill>
+              </a14:hiddenFill>
+            </a:ext>
+          </a:extLst>
+        </p:spPr>
+      </p:pic>
+      <p:sp>
+        <p:nvSpPr>
+          <p:cNvPr id="19" name="TextBox 18">
+            <a:extLst>
+              <a:ext uri="{FF2B5EF4-FFF2-40B4-BE49-F238E27FC236}">
+                <a16:creationId xmlns:a16="http://schemas.microsoft.com/office/drawing/2014/main" id="{06322889-B629-42F9-B070-103D4AC82F94}"/>
+              </a:ext>
+            </a:extLst>
+          </p:cNvPr>
+          <p:cNvSpPr txBox="1"/>
+          <p:nvPr/>
+        </p:nvSpPr>
+        <p:spPr>
+          <a:xfrm>
+            <a:off x="4787900" y="2503529"/>
+            <a:ext cx="559769" cy="369332"/>
+          </a:xfrm>
+          <a:prstGeom prst="rect">
+            <a:avLst/>
+          </a:prstGeom>
+          <a:noFill/>
+        </p:spPr>
+        <p:txBody>
+          <a:bodyPr wrap="none" rtlCol="0">
+            <a:spAutoFit/>
+          </a:bodyPr>
+          <a:lstStyle/>
+          <a:p>
+            <a:r>
+              <a:rPr lang="en-US" dirty="0"/>
+              <a:t>PCA</a:t>
+            </a:r>
+          </a:p>
+        </p:txBody>
+      </p:sp>
+      <p:sp>
+        <p:nvSpPr>
+          <p:cNvPr id="22" name="TextBox 21">
+            <a:extLst>
+              <a:ext uri="{FF2B5EF4-FFF2-40B4-BE49-F238E27FC236}">
+                <a16:creationId xmlns:a16="http://schemas.microsoft.com/office/drawing/2014/main" id="{686150A8-2853-464F-8C67-2B31A269F61A}"/>
+              </a:ext>
+            </a:extLst>
+          </p:cNvPr>
+          <p:cNvSpPr txBox="1"/>
+          <p:nvPr/>
+        </p:nvSpPr>
+        <p:spPr>
+          <a:xfrm>
+            <a:off x="970060" y="559856"/>
+            <a:ext cx="4377609" cy="646331"/>
+          </a:xfrm>
+          <a:prstGeom prst="rect">
+            <a:avLst/>
+          </a:prstGeom>
+          <a:noFill/>
+        </p:spPr>
+        <p:txBody>
+          <a:bodyPr wrap="none" rtlCol="0">
+            <a:spAutoFit/>
+          </a:bodyPr>
+          <a:lstStyle/>
+          <a:p>
+            <a:r>
+              <a:rPr lang="en-US" sz="3600" dirty="0"/>
+              <a:t>Unsupervised learning</a:t>
+            </a:r>
+          </a:p>
+        </p:txBody>
+      </p:sp>
+      <p:sp>
+        <p:nvSpPr>
+          <p:cNvPr id="24" name="TextBox 23">
+            <a:extLst>
+              <a:ext uri="{FF2B5EF4-FFF2-40B4-BE49-F238E27FC236}">
+                <a16:creationId xmlns:a16="http://schemas.microsoft.com/office/drawing/2014/main" id="{500BFF99-E5BF-4849-BDCF-2E2F64F78313}"/>
+              </a:ext>
+            </a:extLst>
+          </p:cNvPr>
+          <p:cNvSpPr txBox="1"/>
+          <p:nvPr/>
+        </p:nvSpPr>
+        <p:spPr>
+          <a:xfrm>
+            <a:off x="7641767" y="561320"/>
+            <a:ext cx="3869457" cy="646331"/>
+          </a:xfrm>
+          <a:prstGeom prst="rect">
+            <a:avLst/>
+          </a:prstGeom>
+          <a:noFill/>
+        </p:spPr>
+        <p:txBody>
+          <a:bodyPr wrap="none" rtlCol="0">
+            <a:spAutoFit/>
+          </a:bodyPr>
+          <a:lstStyle/>
+          <a:p>
+            <a:r>
+              <a:rPr lang="en-US" sz="3600" dirty="0"/>
+              <a:t>Supervised learning</a:t>
+            </a:r>
+          </a:p>
+        </p:txBody>
+      </p:sp>
+      <p:cxnSp>
+        <p:nvCxnSpPr>
+          <p:cNvPr id="25" name="Straight Connector 24">
+            <a:extLst>
+              <a:ext uri="{FF2B5EF4-FFF2-40B4-BE49-F238E27FC236}">
+                <a16:creationId xmlns:a16="http://schemas.microsoft.com/office/drawing/2014/main" id="{909375B8-35AC-41E3-A889-6453E456653D}"/>
+              </a:ext>
+            </a:extLst>
+          </p:cNvPr>
+          <p:cNvCxnSpPr/>
+          <p:nvPr/>
+        </p:nvCxnSpPr>
+        <p:spPr>
+          <a:xfrm>
+            <a:off x="6823464" y="419496"/>
+            <a:ext cx="0" cy="5758343"/>
+          </a:xfrm>
+          <a:prstGeom prst="line">
+            <a:avLst/>
+          </a:prstGeom>
+          <a:ln w="38100">
+            <a:prstDash val="dash"/>
+          </a:ln>
+        </p:spPr>
+        <p:style>
+          <a:lnRef idx="1">
+            <a:schemeClr val="accent1"/>
+          </a:lnRef>
+          <a:fillRef idx="0">
+            <a:schemeClr val="accent1"/>
+          </a:fillRef>
+          <a:effectRef idx="0">
+            <a:schemeClr val="accent1"/>
+          </a:effectRef>
+          <a:fontRef idx="minor">
+            <a:schemeClr val="tx1"/>
+          </a:fontRef>
+        </p:style>
+      </p:cxnSp>
+    </p:spTree>
+    <p:extLst>
+      <p:ext uri="{BB962C8B-B14F-4D97-AF65-F5344CB8AC3E}">
+        <p14:creationId xmlns:p14="http://schemas.microsoft.com/office/powerpoint/2010/main" val="2687127479"/>
+      </p:ext>
+    </p:extLst>
+  </p:cSld>
+  <p:clrMapOvr>
+    <a:masterClrMapping/>
+  </p:clrMapOvr>
+</p:sld>
+</file>
+
+<file path=ppt/slides/slide13.xml><?xml version="1.0" encoding="utf-8"?>
+<p:sld xmlns:a="http://schemas.openxmlformats.org/drawingml/2006/main" xmlns:r="http://schemas.openxmlformats.org/officeDocument/2006/relationships" xmlns:p="http://schemas.openxmlformats.org/presentationml/2006/main">
+  <p:cSld>
+    <p:spTree>
+      <p:nvGrpSpPr>
+        <p:cNvPr id="1" name=""/>
+        <p:cNvGrpSpPr/>
+        <p:nvPr/>
+      </p:nvGrpSpPr>
+      <p:grpSpPr>
+        <a:xfrm>
+          <a:off x="0" y="0"/>
+          <a:ext cx="0" cy="0"/>
+          <a:chOff x="0" y="0"/>
+          <a:chExt cx="0" cy="0"/>
+        </a:xfrm>
+      </p:grpSpPr>
+      <p:sp>
+        <p:nvSpPr>
+          <p:cNvPr id="2" name="Title 1">
+            <a:extLst>
+              <a:ext uri="{FF2B5EF4-FFF2-40B4-BE49-F238E27FC236}">
+                <a16:creationId xmlns:a16="http://schemas.microsoft.com/office/drawing/2014/main" id="{7B458DED-4FB4-4ECB-8010-1CE8B944DBF4}"/>
+              </a:ext>
+            </a:extLst>
+          </p:cNvPr>
+          <p:cNvSpPr>
+            <a:spLocks noGrp="1"/>
+          </p:cNvSpPr>
+          <p:nvPr>
+            <p:ph type="title"/>
+          </p:nvPr>
+        </p:nvSpPr>
+        <p:spPr/>
+        <p:txBody>
+          <a:bodyPr/>
+          <a:lstStyle/>
+          <a:p>
+            <a:r>
+              <a:rPr lang="en-US" dirty="0"/>
+              <a:t>Typical supervised learning input format</a:t>
+            </a:r>
+          </a:p>
+        </p:txBody>
+      </p:sp>
+      <p:graphicFrame>
+        <p:nvGraphicFramePr>
+          <p:cNvPr id="4" name="Table 4">
+            <a:extLst>
+              <a:ext uri="{FF2B5EF4-FFF2-40B4-BE49-F238E27FC236}">
+                <a16:creationId xmlns:a16="http://schemas.microsoft.com/office/drawing/2014/main" id="{D2FC7887-22F9-4B53-A760-2D2F7EDD0C2A}"/>
+              </a:ext>
+            </a:extLst>
+          </p:cNvPr>
+          <p:cNvGraphicFramePr>
+            <a:graphicFrameLocks noGrp="1"/>
+          </p:cNvGraphicFramePr>
+          <p:nvPr>
+            <p:extLst>
+              <p:ext uri="{D42A27DB-BD31-4B8C-83A1-F6EECF244321}">
+                <p14:modId xmlns:p14="http://schemas.microsoft.com/office/powerpoint/2010/main" val="1952944136"/>
+              </p:ext>
+            </p:extLst>
+          </p:nvPr>
+        </p:nvGraphicFramePr>
+        <p:xfrm>
+          <a:off x="2020047" y="1888563"/>
+          <a:ext cx="2874680" cy="4237320"/>
+        </p:xfrm>
+        <a:graphic>
+          <a:graphicData uri="http://schemas.openxmlformats.org/drawingml/2006/table">
+            <a:tbl>
+              <a:tblPr firstRow="1" bandRow="1">
+                <a:tableStyleId>{5940675A-B579-460E-94D1-54222C63F5DA}</a:tableStyleId>
+              </a:tblPr>
+              <a:tblGrid>
+                <a:gridCol w="574936">
+                  <a:extLst>
+                    <a:ext uri="{9D8B030D-6E8A-4147-A177-3AD203B41FA5}">
+                      <a16:colId xmlns:a16="http://schemas.microsoft.com/office/drawing/2014/main" val="3021771937"/>
+                    </a:ext>
+                  </a:extLst>
+                </a:gridCol>
+                <a:gridCol w="574936">
+                  <a:extLst>
+                    <a:ext uri="{9D8B030D-6E8A-4147-A177-3AD203B41FA5}">
+                      <a16:colId xmlns:a16="http://schemas.microsoft.com/office/drawing/2014/main" val="4258225657"/>
+                    </a:ext>
+                  </a:extLst>
+                </a:gridCol>
+                <a:gridCol w="574936">
+                  <a:extLst>
+                    <a:ext uri="{9D8B030D-6E8A-4147-A177-3AD203B41FA5}">
+                      <a16:colId xmlns:a16="http://schemas.microsoft.com/office/drawing/2014/main" val="2294026510"/>
+                    </a:ext>
+                  </a:extLst>
+                </a:gridCol>
+                <a:gridCol w="574936">
+                  <a:extLst>
+                    <a:ext uri="{9D8B030D-6E8A-4147-A177-3AD203B41FA5}">
+                      <a16:colId xmlns:a16="http://schemas.microsoft.com/office/drawing/2014/main" val="1201283245"/>
+                    </a:ext>
+                  </a:extLst>
+                </a:gridCol>
+                <a:gridCol w="574936">
+                  <a:extLst>
+                    <a:ext uri="{9D8B030D-6E8A-4147-A177-3AD203B41FA5}">
+                      <a16:colId xmlns:a16="http://schemas.microsoft.com/office/drawing/2014/main" val="1764564783"/>
+                    </a:ext>
+                  </a:extLst>
+                </a:gridCol>
+              </a:tblGrid>
+              <a:tr h="529665">
+                <a:tc>
+                  <a:txBody>
+                    <a:bodyPr/>
+                    <a:lstStyle/>
+                    <a:p>
+                      <a:endParaRPr lang="en-US" dirty="0"/>
+                    </a:p>
+                  </a:txBody>
+                  <a:tcPr/>
+                </a:tc>
+                <a:tc>
+                  <a:txBody>
+                    <a:bodyPr/>
+                    <a:lstStyle/>
+                    <a:p>
+                      <a:endParaRPr lang="en-US"/>
+                    </a:p>
+                  </a:txBody>
+                  <a:tcPr/>
+                </a:tc>
+                <a:tc>
+                  <a:txBody>
+                    <a:bodyPr/>
+                    <a:lstStyle/>
+                    <a:p>
+                      <a:endParaRPr lang="en-US"/>
+                    </a:p>
+                  </a:txBody>
+                  <a:tcPr/>
+                </a:tc>
+                <a:tc>
+                  <a:txBody>
+                    <a:bodyPr/>
+                    <a:lstStyle/>
+                    <a:p>
+                      <a:endParaRPr lang="en-US"/>
+                    </a:p>
+                  </a:txBody>
+                  <a:tcPr/>
+                </a:tc>
+                <a:tc>
+                  <a:txBody>
+                    <a:bodyPr/>
+                    <a:lstStyle/>
+                    <a:p>
+                      <a:endParaRPr lang="en-US"/>
+                    </a:p>
+                  </a:txBody>
+                  <a:tcPr/>
+                </a:tc>
+                <a:extLst>
+                  <a:ext uri="{0D108BD9-81ED-4DB2-BD59-A6C34878D82A}">
+                    <a16:rowId xmlns:a16="http://schemas.microsoft.com/office/drawing/2014/main" val="2312673436"/>
+                  </a:ext>
+                </a:extLst>
+              </a:tr>
+              <a:tr h="529665">
+                <a:tc>
+                  <a:txBody>
+                    <a:bodyPr/>
+                    <a:lstStyle/>
+                    <a:p>
+                      <a:endParaRPr lang="en-US"/>
+                    </a:p>
+                  </a:txBody>
+                  <a:tcPr/>
+                </a:tc>
+                <a:tc>
+                  <a:txBody>
+                    <a:bodyPr/>
+                    <a:lstStyle/>
+                    <a:p>
+                      <a:endParaRPr lang="en-US"/>
+                    </a:p>
+                  </a:txBody>
+                  <a:tcPr/>
+                </a:tc>
+                <a:tc>
+                  <a:txBody>
+                    <a:bodyPr/>
+                    <a:lstStyle/>
+                    <a:p>
+                      <a:endParaRPr lang="en-US"/>
+                    </a:p>
+                  </a:txBody>
+                  <a:tcPr/>
+                </a:tc>
+                <a:tc>
+                  <a:txBody>
+                    <a:bodyPr/>
+                    <a:lstStyle/>
+                    <a:p>
+                      <a:endParaRPr lang="en-US"/>
+                    </a:p>
+                  </a:txBody>
+                  <a:tcPr/>
+                </a:tc>
+                <a:tc>
+                  <a:txBody>
+                    <a:bodyPr/>
+                    <a:lstStyle/>
+                    <a:p>
+                      <a:endParaRPr lang="en-US"/>
+                    </a:p>
+                  </a:txBody>
+                  <a:tcPr/>
+                </a:tc>
+                <a:extLst>
+                  <a:ext uri="{0D108BD9-81ED-4DB2-BD59-A6C34878D82A}">
+                    <a16:rowId xmlns:a16="http://schemas.microsoft.com/office/drawing/2014/main" val="1415345166"/>
+                  </a:ext>
+                </a:extLst>
+              </a:tr>
+              <a:tr h="529665">
+                <a:tc>
+                  <a:txBody>
+                    <a:bodyPr/>
+                    <a:lstStyle/>
+                    <a:p>
+                      <a:endParaRPr lang="en-US"/>
+                    </a:p>
+                  </a:txBody>
+                  <a:tcPr/>
+                </a:tc>
+                <a:tc>
+                  <a:txBody>
+                    <a:bodyPr/>
+                    <a:lstStyle/>
+                    <a:p>
+                      <a:endParaRPr lang="en-US"/>
+                    </a:p>
+                  </a:txBody>
+                  <a:tcPr/>
+                </a:tc>
+                <a:tc>
+                  <a:txBody>
+                    <a:bodyPr/>
+                    <a:lstStyle/>
+                    <a:p>
+                      <a:endParaRPr lang="en-US"/>
+                    </a:p>
+                  </a:txBody>
+                  <a:tcPr/>
+                </a:tc>
+                <a:tc>
+                  <a:txBody>
+                    <a:bodyPr/>
+                    <a:lstStyle/>
+                    <a:p>
+                      <a:endParaRPr lang="en-US"/>
+                    </a:p>
+                  </a:txBody>
+                  <a:tcPr/>
+                </a:tc>
+                <a:tc>
+                  <a:txBody>
+                    <a:bodyPr/>
+                    <a:lstStyle/>
+                    <a:p>
+                      <a:endParaRPr lang="en-US"/>
+                    </a:p>
+                  </a:txBody>
+                  <a:tcPr/>
+                </a:tc>
+                <a:extLst>
+                  <a:ext uri="{0D108BD9-81ED-4DB2-BD59-A6C34878D82A}">
+                    <a16:rowId xmlns:a16="http://schemas.microsoft.com/office/drawing/2014/main" val="2074241208"/>
+                  </a:ext>
+                </a:extLst>
+              </a:tr>
+              <a:tr h="529665">
+                <a:tc>
+                  <a:txBody>
+                    <a:bodyPr/>
+                    <a:lstStyle/>
+                    <a:p>
+                      <a:endParaRPr lang="en-US"/>
+                    </a:p>
+                  </a:txBody>
+                  <a:tcPr/>
+                </a:tc>
+                <a:tc>
+                  <a:txBody>
+                    <a:bodyPr/>
+                    <a:lstStyle/>
+                    <a:p>
+                      <a:endParaRPr lang="en-US"/>
+                    </a:p>
+                  </a:txBody>
+                  <a:tcPr/>
+                </a:tc>
+                <a:tc>
+                  <a:txBody>
+                    <a:bodyPr/>
+                    <a:lstStyle/>
+                    <a:p>
+                      <a:endParaRPr lang="en-US"/>
+                    </a:p>
+                  </a:txBody>
+                  <a:tcPr/>
+                </a:tc>
+                <a:tc>
+                  <a:txBody>
+                    <a:bodyPr/>
+                    <a:lstStyle/>
+                    <a:p>
+                      <a:endParaRPr lang="en-US"/>
+                    </a:p>
+                  </a:txBody>
+                  <a:tcPr/>
+                </a:tc>
+                <a:tc>
+                  <a:txBody>
+                    <a:bodyPr/>
+                    <a:lstStyle/>
+                    <a:p>
+                      <a:endParaRPr lang="en-US"/>
+                    </a:p>
+                  </a:txBody>
+                  <a:tcPr/>
+                </a:tc>
+                <a:extLst>
+                  <a:ext uri="{0D108BD9-81ED-4DB2-BD59-A6C34878D82A}">
+                    <a16:rowId xmlns:a16="http://schemas.microsoft.com/office/drawing/2014/main" val="611342337"/>
+                  </a:ext>
+                </a:extLst>
+              </a:tr>
+              <a:tr h="529665">
+                <a:tc>
+                  <a:txBody>
+                    <a:bodyPr/>
+                    <a:lstStyle/>
+                    <a:p>
+                      <a:endParaRPr lang="en-US"/>
+                    </a:p>
+                  </a:txBody>
+                  <a:tcPr/>
+                </a:tc>
+                <a:tc>
+                  <a:txBody>
+                    <a:bodyPr/>
+                    <a:lstStyle/>
+                    <a:p>
+                      <a:endParaRPr lang="en-US"/>
+                    </a:p>
+                  </a:txBody>
+                  <a:tcPr/>
+                </a:tc>
+                <a:tc>
+                  <a:txBody>
+                    <a:bodyPr/>
+                    <a:lstStyle/>
+                    <a:p>
+                      <a:endParaRPr lang="en-US"/>
+                    </a:p>
+                  </a:txBody>
+                  <a:tcPr/>
+                </a:tc>
+                <a:tc>
+                  <a:txBody>
+                    <a:bodyPr/>
+                    <a:lstStyle/>
+                    <a:p>
+                      <a:endParaRPr lang="en-US"/>
+                    </a:p>
+                  </a:txBody>
+                  <a:tcPr/>
+                </a:tc>
+                <a:tc>
+                  <a:txBody>
+                    <a:bodyPr/>
+                    <a:lstStyle/>
+                    <a:p>
+                      <a:endParaRPr lang="en-US"/>
+                    </a:p>
+                  </a:txBody>
+                  <a:tcPr/>
+                </a:tc>
+                <a:extLst>
+                  <a:ext uri="{0D108BD9-81ED-4DB2-BD59-A6C34878D82A}">
+                    <a16:rowId xmlns:a16="http://schemas.microsoft.com/office/drawing/2014/main" val="774383167"/>
+                  </a:ext>
+                </a:extLst>
+              </a:tr>
+              <a:tr h="529665">
+                <a:tc>
+                  <a:txBody>
+                    <a:bodyPr/>
+                    <a:lstStyle/>
+                    <a:p>
+                      <a:endParaRPr lang="en-US"/>
+                    </a:p>
+                  </a:txBody>
+                  <a:tcPr/>
+                </a:tc>
+                <a:tc>
+                  <a:txBody>
+                    <a:bodyPr/>
+                    <a:lstStyle/>
+                    <a:p>
+                      <a:endParaRPr lang="en-US"/>
+                    </a:p>
+                  </a:txBody>
+                  <a:tcPr/>
+                </a:tc>
+                <a:tc>
+                  <a:txBody>
+                    <a:bodyPr/>
+                    <a:lstStyle/>
+                    <a:p>
+                      <a:endParaRPr lang="en-US"/>
+                    </a:p>
+                  </a:txBody>
+                  <a:tcPr/>
+                </a:tc>
+                <a:tc>
+                  <a:txBody>
+                    <a:bodyPr/>
+                    <a:lstStyle/>
+                    <a:p>
+                      <a:endParaRPr lang="en-US"/>
+                    </a:p>
+                  </a:txBody>
+                  <a:tcPr/>
+                </a:tc>
+                <a:tc>
+                  <a:txBody>
+                    <a:bodyPr/>
+                    <a:lstStyle/>
+                    <a:p>
+                      <a:endParaRPr lang="en-US"/>
+                    </a:p>
+                  </a:txBody>
+                  <a:tcPr/>
+                </a:tc>
+                <a:extLst>
+                  <a:ext uri="{0D108BD9-81ED-4DB2-BD59-A6C34878D82A}">
+                    <a16:rowId xmlns:a16="http://schemas.microsoft.com/office/drawing/2014/main" val="1699573934"/>
+                  </a:ext>
+                </a:extLst>
+              </a:tr>
+              <a:tr h="529665">
+                <a:tc>
+                  <a:txBody>
+                    <a:bodyPr/>
+                    <a:lstStyle/>
+                    <a:p>
+                      <a:endParaRPr lang="en-US"/>
+                    </a:p>
+                  </a:txBody>
+                  <a:tcPr/>
+                </a:tc>
+                <a:tc>
+                  <a:txBody>
+                    <a:bodyPr/>
+                    <a:lstStyle/>
+                    <a:p>
+                      <a:endParaRPr lang="en-US"/>
+                    </a:p>
+                  </a:txBody>
+                  <a:tcPr/>
+                </a:tc>
+                <a:tc>
+                  <a:txBody>
+                    <a:bodyPr/>
+                    <a:lstStyle/>
+                    <a:p>
+                      <a:endParaRPr lang="en-US"/>
+                    </a:p>
+                  </a:txBody>
+                  <a:tcPr/>
+                </a:tc>
+                <a:tc>
+                  <a:txBody>
+                    <a:bodyPr/>
+                    <a:lstStyle/>
+                    <a:p>
+                      <a:endParaRPr lang="en-US"/>
+                    </a:p>
+                  </a:txBody>
+                  <a:tcPr/>
+                </a:tc>
+                <a:tc>
+                  <a:txBody>
+                    <a:bodyPr/>
+                    <a:lstStyle/>
+                    <a:p>
+                      <a:endParaRPr lang="en-US"/>
+                    </a:p>
+                  </a:txBody>
+                  <a:tcPr/>
+                </a:tc>
+                <a:extLst>
+                  <a:ext uri="{0D108BD9-81ED-4DB2-BD59-A6C34878D82A}">
+                    <a16:rowId xmlns:a16="http://schemas.microsoft.com/office/drawing/2014/main" val="1315814624"/>
+                  </a:ext>
+                </a:extLst>
+              </a:tr>
+              <a:tr h="529665">
+                <a:tc>
+                  <a:txBody>
+                    <a:bodyPr/>
+                    <a:lstStyle/>
+                    <a:p>
+                      <a:endParaRPr lang="en-US"/>
+                    </a:p>
+                  </a:txBody>
+                  <a:tcPr/>
+                </a:tc>
+                <a:tc>
+                  <a:txBody>
+                    <a:bodyPr/>
+                    <a:lstStyle/>
+                    <a:p>
+                      <a:endParaRPr lang="en-US"/>
+                    </a:p>
+                  </a:txBody>
+                  <a:tcPr/>
+                </a:tc>
+                <a:tc>
+                  <a:txBody>
+                    <a:bodyPr/>
+                    <a:lstStyle/>
+                    <a:p>
+                      <a:endParaRPr lang="en-US"/>
+                    </a:p>
+                  </a:txBody>
+                  <a:tcPr/>
+                </a:tc>
+                <a:tc>
+                  <a:txBody>
+                    <a:bodyPr/>
+                    <a:lstStyle/>
+                    <a:p>
+                      <a:endParaRPr lang="en-US"/>
+                    </a:p>
+                  </a:txBody>
+                  <a:tcPr/>
+                </a:tc>
+                <a:tc>
+                  <a:txBody>
+                    <a:bodyPr/>
+                    <a:lstStyle/>
+                    <a:p>
+                      <a:endParaRPr lang="en-US" dirty="0"/>
+                    </a:p>
+                  </a:txBody>
+                  <a:tcPr/>
+                </a:tc>
+                <a:extLst>
+                  <a:ext uri="{0D108BD9-81ED-4DB2-BD59-A6C34878D82A}">
+                    <a16:rowId xmlns:a16="http://schemas.microsoft.com/office/drawing/2014/main" val="1232360724"/>
+                  </a:ext>
+                </a:extLst>
+              </a:tr>
+            </a:tbl>
+          </a:graphicData>
+        </a:graphic>
+      </p:graphicFrame>
+      <p:sp>
+        <p:nvSpPr>
+          <p:cNvPr id="6" name="TextBox 5">
+            <a:extLst>
+              <a:ext uri="{FF2B5EF4-FFF2-40B4-BE49-F238E27FC236}">
+                <a16:creationId xmlns:a16="http://schemas.microsoft.com/office/drawing/2014/main" id="{1934A737-5B0F-46D2-A01B-9C920C270025}"/>
+              </a:ext>
+            </a:extLst>
+          </p:cNvPr>
+          <p:cNvSpPr txBox="1"/>
+          <p:nvPr/>
+        </p:nvSpPr>
+        <p:spPr>
+          <a:xfrm>
+            <a:off x="2961354" y="1420294"/>
+            <a:ext cx="992066" cy="369332"/>
+          </a:xfrm>
+          <a:prstGeom prst="rect">
+            <a:avLst/>
+          </a:prstGeom>
+          <a:noFill/>
+        </p:spPr>
+        <p:txBody>
+          <a:bodyPr wrap="none" rtlCol="0">
+            <a:spAutoFit/>
+          </a:bodyPr>
+          <a:lstStyle/>
+          <a:p>
+            <a:r>
+              <a:rPr lang="en-US" dirty="0"/>
+              <a:t>Features</a:t>
+            </a:r>
+          </a:p>
+        </p:txBody>
+      </p:sp>
+      <p:sp>
+        <p:nvSpPr>
+          <p:cNvPr id="7" name="TextBox 6">
+            <a:extLst>
+              <a:ext uri="{FF2B5EF4-FFF2-40B4-BE49-F238E27FC236}">
+                <a16:creationId xmlns:a16="http://schemas.microsoft.com/office/drawing/2014/main" id="{6B3AC592-E9C8-4169-9EFC-B0E32465527F}"/>
+              </a:ext>
+            </a:extLst>
+          </p:cNvPr>
+          <p:cNvSpPr txBox="1"/>
+          <p:nvPr/>
+        </p:nvSpPr>
+        <p:spPr>
+          <a:xfrm rot="16200000">
+            <a:off x="939800" y="3751730"/>
+            <a:ext cx="1438086" cy="369332"/>
+          </a:xfrm>
+          <a:prstGeom prst="rect">
+            <a:avLst/>
+          </a:prstGeom>
+          <a:noFill/>
+        </p:spPr>
+        <p:txBody>
+          <a:bodyPr wrap="none" rtlCol="0">
+            <a:spAutoFit/>
+          </a:bodyPr>
+          <a:lstStyle/>
+          <a:p>
+            <a:r>
+              <a:rPr lang="en-US" dirty="0"/>
+              <a:t>Data samples</a:t>
+            </a:r>
+          </a:p>
+        </p:txBody>
+      </p:sp>
+    </p:spTree>
+    <p:extLst>
+      <p:ext uri="{BB962C8B-B14F-4D97-AF65-F5344CB8AC3E}">
+        <p14:creationId xmlns:p14="http://schemas.microsoft.com/office/powerpoint/2010/main" val="249952891"/>
+      </p:ext>
+    </p:extLst>
+  </p:cSld>
+  <p:clrMapOvr>
+    <a:masterClrMapping/>
+  </p:clrMapOvr>
+</p:sld>
+</file>
+
+<file path=ppt/slides/slide14.xml><?xml version="1.0" encoding="utf-8"?>
+<p:sld xmlns:a="http://schemas.openxmlformats.org/drawingml/2006/main" xmlns:r="http://schemas.openxmlformats.org/officeDocument/2006/relationships" xmlns:p="http://schemas.openxmlformats.org/presentationml/2006/main">
+  <p:cSld>
+    <p:spTree>
+      <p:nvGrpSpPr>
+        <p:cNvPr id="1" name=""/>
+        <p:cNvGrpSpPr/>
+        <p:nvPr/>
+      </p:nvGrpSpPr>
+      <p:grpSpPr>
+        <a:xfrm>
+          <a:off x="0" y="0"/>
+          <a:ext cx="0" cy="0"/>
+          <a:chOff x="0" y="0"/>
+          <a:chExt cx="0" cy="0"/>
+        </a:xfrm>
+      </p:grpSpPr>
+      <p:sp>
+        <p:nvSpPr>
+          <p:cNvPr id="2" name="Title 1">
+            <a:extLst>
+              <a:ext uri="{FF2B5EF4-FFF2-40B4-BE49-F238E27FC236}">
+                <a16:creationId xmlns:a16="http://schemas.microsoft.com/office/drawing/2014/main" id="{0AE42666-78C6-443D-B378-23F42B28402A}"/>
+              </a:ext>
+            </a:extLst>
+          </p:cNvPr>
+          <p:cNvSpPr>
+            <a:spLocks noGrp="1"/>
+          </p:cNvSpPr>
+          <p:nvPr>
+            <p:ph type="title"/>
+          </p:nvPr>
+        </p:nvSpPr>
+        <p:spPr/>
+        <p:txBody>
+          <a:bodyPr/>
+          <a:lstStyle/>
+          <a:p>
+            <a:r>
+              <a:rPr lang="en-US" dirty="0"/>
+              <a:t>Standard machine-learning workflow</a:t>
+            </a:r>
+          </a:p>
+        </p:txBody>
+      </p:sp>
+      <p:sp>
+        <p:nvSpPr>
+          <p:cNvPr id="3" name="Content Placeholder 2">
+            <a:extLst>
+              <a:ext uri="{FF2B5EF4-FFF2-40B4-BE49-F238E27FC236}">
+                <a16:creationId xmlns:a16="http://schemas.microsoft.com/office/drawing/2014/main" id="{A246F057-7981-4417-BFF9-BDE6B8AC614A}"/>
+              </a:ext>
+            </a:extLst>
+          </p:cNvPr>
+          <p:cNvSpPr>
+            <a:spLocks noGrp="1"/>
+          </p:cNvSpPr>
+          <p:nvPr>
+            <p:ph idx="1"/>
+          </p:nvPr>
+        </p:nvSpPr>
+        <p:spPr/>
+        <p:txBody>
+          <a:bodyPr/>
+          <a:lstStyle/>
+          <a:p>
+            <a:endParaRPr lang="en-US" dirty="0"/>
+          </a:p>
+        </p:txBody>
+      </p:sp>
+    </p:spTree>
+    <p:extLst>
+      <p:ext uri="{BB962C8B-B14F-4D97-AF65-F5344CB8AC3E}">
+        <p14:creationId xmlns:p14="http://schemas.microsoft.com/office/powerpoint/2010/main" val="3275874884"/>
+      </p:ext>
+    </p:extLst>
+  </p:cSld>
+  <p:clrMapOvr>
+    <a:masterClrMapping/>
+  </p:clrMapOvr>
+</p:sld>
+</file>
+
 <file path=ppt/slides/slide2.xml><?xml version="1.0" encoding="utf-8"?>
 <p:sld xmlns:a="http://schemas.openxmlformats.org/drawingml/2006/main" xmlns:r="http://schemas.openxmlformats.org/officeDocument/2006/relationships" xmlns:p="http://schemas.openxmlformats.org/presentationml/2006/main">
   <p:cSld>
@@ -5572,13 +7407,8 @@
           <a:p>
             <a:r>
               <a:rPr lang="en-US" dirty="0"/>
-              <a:t>Handwriting </a:t>
-            </a:r>
-            <a:r>
-              <a:rPr lang="en-US" dirty="0" err="1"/>
-              <a:t>recognization</a:t>
-            </a:r>
-            <a:endParaRPr lang="en-US" dirty="0"/>
+              <a:t>Handwriting recognition</a:t>
+            </a:r>
           </a:p>
         </p:txBody>
       </p:sp>
@@ -5613,7 +7443,7 @@
         </p:blipFill>
         <p:spPr bwMode="auto">
           <a:xfrm>
-            <a:off x="2905019" y="1825625"/>
+            <a:off x="2698285" y="1515525"/>
             <a:ext cx="6381962" cy="4351338"/>
           </a:xfrm>
           <a:prstGeom prst="rect">
@@ -5635,6 +7465,113 @@
     <p:extLst>
       <p:ext uri="{BB962C8B-B14F-4D97-AF65-F5344CB8AC3E}">
         <p14:creationId xmlns:p14="http://schemas.microsoft.com/office/powerpoint/2010/main" val="3562397488"/>
+      </p:ext>
+    </p:extLst>
+  </p:cSld>
+  <p:clrMapOvr>
+    <a:masterClrMapping/>
+  </p:clrMapOvr>
+</p:sld>
+</file>
+
+<file path=ppt/slides/slide9.xml><?xml version="1.0" encoding="utf-8"?>
+<p:sld xmlns:a="http://schemas.openxmlformats.org/drawingml/2006/main" xmlns:r="http://schemas.openxmlformats.org/officeDocument/2006/relationships" xmlns:p="http://schemas.openxmlformats.org/presentationml/2006/main">
+  <p:cSld>
+    <p:spTree>
+      <p:nvGrpSpPr>
+        <p:cNvPr id="1" name=""/>
+        <p:cNvGrpSpPr/>
+        <p:nvPr/>
+      </p:nvGrpSpPr>
+      <p:grpSpPr>
+        <a:xfrm>
+          <a:off x="0" y="0"/>
+          <a:ext cx="0" cy="0"/>
+          <a:chOff x="0" y="0"/>
+          <a:chExt cx="0" cy="0"/>
+        </a:xfrm>
+      </p:grpSpPr>
+      <p:sp>
+        <p:nvSpPr>
+          <p:cNvPr id="2" name="Title 1">
+            <a:extLst>
+              <a:ext uri="{FF2B5EF4-FFF2-40B4-BE49-F238E27FC236}">
+                <a16:creationId xmlns:a16="http://schemas.microsoft.com/office/drawing/2014/main" id="{B2FCD3AC-38DB-4493-AE02-E538161FF3C0}"/>
+              </a:ext>
+            </a:extLst>
+          </p:cNvPr>
+          <p:cNvSpPr>
+            <a:spLocks noGrp="1"/>
+          </p:cNvSpPr>
+          <p:nvPr>
+            <p:ph type="title"/>
+          </p:nvPr>
+        </p:nvSpPr>
+        <p:spPr/>
+        <p:txBody>
+          <a:bodyPr/>
+          <a:lstStyle/>
+          <a:p>
+            <a:r>
+              <a:rPr lang="en-US" dirty="0"/>
+              <a:t>Collection the data: be smart</a:t>
+            </a:r>
+          </a:p>
+        </p:txBody>
+      </p:sp>
+      <p:pic>
+        <p:nvPicPr>
+          <p:cNvPr id="1026" name="Picture 2" descr="Image result for robot check old book digitalization&quot;">
+            <a:extLst>
+              <a:ext uri="{FF2B5EF4-FFF2-40B4-BE49-F238E27FC236}">
+                <a16:creationId xmlns:a16="http://schemas.microsoft.com/office/drawing/2014/main" id="{1DBCDC25-CAF5-46C1-91A6-E7060493D7A9}"/>
+              </a:ext>
+            </a:extLst>
+          </p:cNvPr>
+          <p:cNvPicPr>
+            <a:picLocks noGrp="1" noChangeAspect="1" noChangeArrowheads="1"/>
+          </p:cNvPicPr>
+          <p:nvPr>
+            <p:ph idx="1"/>
+          </p:nvPr>
+        </p:nvPicPr>
+        <p:blipFill>
+          <a:blip r:embed="rId2">
+            <a:extLst>
+              <a:ext uri="{28A0092B-C50C-407E-A947-70E740481C1C}">
+                <a14:useLocalDpi xmlns:a14="http://schemas.microsoft.com/office/drawing/2010/main" val="0"/>
+              </a:ext>
+            </a:extLst>
+          </a:blip>
+          <a:srcRect/>
+          <a:stretch>
+            <a:fillRect/>
+          </a:stretch>
+        </p:blipFill>
+        <p:spPr bwMode="auto">
+          <a:xfrm>
+            <a:off x="2245661" y="2169384"/>
+            <a:ext cx="7700677" cy="3065556"/>
+          </a:xfrm>
+          <a:prstGeom prst="rect">
+            <a:avLst/>
+          </a:prstGeom>
+          <a:noFill/>
+          <a:extLst>
+            <a:ext uri="{909E8E84-426E-40DD-AFC4-6F175D3DCCD1}">
+              <a14:hiddenFill xmlns:a14="http://schemas.microsoft.com/office/drawing/2010/main">
+                <a:solidFill>
+                  <a:srgbClr val="FFFFFF"/>
+                </a:solidFill>
+              </a14:hiddenFill>
+            </a:ext>
+          </a:extLst>
+        </p:spPr>
+      </p:pic>
+    </p:spTree>
+    <p:extLst>
+      <p:ext uri="{BB962C8B-B14F-4D97-AF65-F5344CB8AC3E}">
+        <p14:creationId xmlns:p14="http://schemas.microsoft.com/office/powerpoint/2010/main" val="283530611"/>
       </p:ext>
     </p:extLst>
   </p:cSld>
